--- a/DsDotNet/src/UnitTest/UnitTest.Engine/ImportPPT/T11_ImportSystem.pptx
+++ b/DsDotNet/src/UnitTest/UnitTest.Engine/ImportPPT/T11_ImportSystem.pptx
@@ -5,17 +5,14 @@
     <p:sldMasterId id="2147483648" r:id="rId1"/>
   </p:sldMasterIdLst>
   <p:notesMasterIdLst>
-    <p:notesMasterId r:id="rId7"/>
+    <p:notesMasterId r:id="rId4"/>
   </p:notesMasterIdLst>
   <p:handoutMasterIdLst>
-    <p:handoutMasterId r:id="rId8"/>
+    <p:handoutMasterId r:id="rId5"/>
   </p:handoutMasterIdLst>
   <p:sldIdLst>
     <p:sldId id="614" r:id="rId2"/>
     <p:sldId id="618" r:id="rId3"/>
-    <p:sldId id="616" r:id="rId4"/>
-    <p:sldId id="633" r:id="rId5"/>
-    <p:sldId id="636" r:id="rId6"/>
   </p:sldIdLst>
   <p:sldSz cx="12192000" cy="6858000"/>
   <p:notesSz cx="6797675" cy="9926638"/>
@@ -219,7 +216,7 @@
           <a:p>
             <a:fld id="{DD503887-5801-43A0-AEF9-041E8DDC2558}" type="datetimeFigureOut">
               <a:rPr lang="ko-KR" altLang="en-US" smtClean="0"/>
-              <a:t>2022-11-09</a:t>
+              <a:t>2022-12-07</a:t>
             </a:fld>
             <a:endParaRPr lang="ko-KR" altLang="en-US" dirty="0"/>
           </a:p>
@@ -396,7 +393,7 @@
           <a:p>
             <a:fld id="{95336A0E-57B1-4D4C-BD9B-2F72B5943464}" type="datetimeFigureOut">
               <a:rPr lang="ko-KR" altLang="en-US" smtClean="0"/>
-              <a:t>2022-11-09</a:t>
+              <a:t>2022-12-07</a:t>
             </a:fld>
             <a:endParaRPr lang="ko-KR" altLang="en-US" dirty="0"/>
           </a:p>
@@ -1371,90 +1368,6 @@
 </p:notes>
 </file>
 
-<file path=ppt/notesSlides/notesSlide2.xml><?xml version="1.0" encoding="utf-8"?>
-<p:notes xmlns:a="http://schemas.openxmlformats.org/drawingml/2006/main" xmlns:r="http://schemas.openxmlformats.org/officeDocument/2006/relationships" xmlns:p="http://schemas.openxmlformats.org/presentationml/2006/main">
-  <p:cSld>
-    <p:spTree>
-      <p:nvGrpSpPr>
-        <p:cNvPr id="1" name=""/>
-        <p:cNvGrpSpPr/>
-        <p:nvPr/>
-      </p:nvGrpSpPr>
-      <p:grpSpPr>
-        <a:xfrm>
-          <a:off x="0" y="0"/>
-          <a:ext cx="0" cy="0"/>
-          <a:chOff x="0" y="0"/>
-          <a:chExt cx="0" cy="0"/>
-        </a:xfrm>
-      </p:grpSpPr>
-      <p:sp>
-        <p:nvSpPr>
-          <p:cNvPr id="2" name="슬라이드 이미지 개체 틀 1"/>
-          <p:cNvSpPr>
-            <a:spLocks noGrp="1" noRot="1" noChangeAspect="1"/>
-          </p:cNvSpPr>
-          <p:nvPr>
-            <p:ph type="sldImg"/>
-          </p:nvPr>
-        </p:nvSpPr>
-        <p:spPr/>
-      </p:sp>
-      <p:sp>
-        <p:nvSpPr>
-          <p:cNvPr id="3" name="슬라이드 노트 개체 틀 2"/>
-          <p:cNvSpPr>
-            <a:spLocks noGrp="1"/>
-          </p:cNvSpPr>
-          <p:nvPr>
-            <p:ph type="body" idx="1"/>
-          </p:nvPr>
-        </p:nvSpPr>
-        <p:spPr/>
-        <p:txBody>
-          <a:bodyPr/>
-          <a:lstStyle/>
-          <a:p>
-            <a:endParaRPr lang="ko-KR" altLang="en-US" dirty="0"/>
-          </a:p>
-        </p:txBody>
-      </p:sp>
-      <p:sp>
-        <p:nvSpPr>
-          <p:cNvPr id="4" name="슬라이드 번호 개체 틀 3"/>
-          <p:cNvSpPr>
-            <a:spLocks noGrp="1"/>
-          </p:cNvSpPr>
-          <p:nvPr>
-            <p:ph type="sldNum" sz="quarter" idx="5"/>
-          </p:nvPr>
-        </p:nvSpPr>
-        <p:spPr/>
-        <p:txBody>
-          <a:bodyPr/>
-          <a:lstStyle/>
-          <a:p>
-            <a:fld id="{2978587B-688C-4F1D-9D92-1BF3667CE9B1}" type="slidenum">
-              <a:rPr lang="ko-KR" altLang="en-US" smtClean="0"/>
-              <a:t>3</a:t>
-            </a:fld>
-            <a:endParaRPr lang="ko-KR" altLang="en-US" dirty="0"/>
-          </a:p>
-        </p:txBody>
-      </p:sp>
-    </p:spTree>
-    <p:extLst>
-      <p:ext uri="{BB962C8B-B14F-4D97-AF65-F5344CB8AC3E}">
-        <p14:creationId xmlns:p14="http://schemas.microsoft.com/office/powerpoint/2010/main" val="2525700572"/>
-      </p:ext>
-    </p:extLst>
-  </p:cSld>
-  <p:clrMapOvr>
-    <a:masterClrMapping/>
-  </p:clrMapOvr>
-</p:notes>
-</file>
-
 <file path=ppt/slideLayouts/slideLayout1.xml><?xml version="1.0" encoding="utf-8"?>
 <p:sldLayout xmlns:a="http://schemas.openxmlformats.org/drawingml/2006/main" xmlns:r="http://schemas.openxmlformats.org/officeDocument/2006/relationships" xmlns:p="http://schemas.openxmlformats.org/presentationml/2006/main" type="title" preserve="1">
   <p:cSld name="제목 슬라이드">
@@ -1602,7 +1515,7 @@
           <a:p>
             <a:fld id="{229D12C7-0FF5-4972-A033-474EFFC79F40}" type="datetime1">
               <a:rPr lang="ko-KR" altLang="en-US" smtClean="0"/>
-              <a:t>2022-11-09</a:t>
+              <a:t>2022-12-07</a:t>
             </a:fld>
             <a:endParaRPr lang="ko-KR" altLang="en-US" dirty="0"/>
           </a:p>
@@ -1800,7 +1713,7 @@
           <a:p>
             <a:fld id="{5BA19FD4-B052-4F56-8FD8-EAFD078DEFB0}" type="datetime1">
               <a:rPr lang="ko-KR" altLang="en-US" smtClean="0"/>
-              <a:t>2022-11-09</a:t>
+              <a:t>2022-12-07</a:t>
             </a:fld>
             <a:endParaRPr lang="ko-KR" altLang="en-US" dirty="0"/>
           </a:p>
@@ -2008,7 +1921,7 @@
           <a:p>
             <a:fld id="{024994B9-23A6-4B0A-A038-AC140E83DAA3}" type="datetime1">
               <a:rPr lang="ko-KR" altLang="en-US" smtClean="0"/>
-              <a:t>2022-11-09</a:t>
+              <a:t>2022-12-07</a:t>
             </a:fld>
             <a:endParaRPr lang="ko-KR" altLang="en-US" dirty="0"/>
           </a:p>
@@ -2206,7 +2119,7 @@
           <a:p>
             <a:fld id="{70D0DAB2-87CB-4028-B965-3AA710ADF2CB}" type="datetime1">
               <a:rPr lang="ko-KR" altLang="en-US" smtClean="0"/>
-              <a:t>2022-11-09</a:t>
+              <a:t>2022-12-07</a:t>
             </a:fld>
             <a:endParaRPr lang="ko-KR" altLang="en-US" dirty="0"/>
           </a:p>
@@ -2481,7 +2394,7 @@
           <a:p>
             <a:fld id="{63FA3D71-FEA8-477F-9D1E-EA860F411BC7}" type="datetime1">
               <a:rPr lang="ko-KR" altLang="en-US" smtClean="0"/>
-              <a:t>2022-11-09</a:t>
+              <a:t>2022-12-07</a:t>
             </a:fld>
             <a:endParaRPr lang="ko-KR" altLang="en-US" dirty="0"/>
           </a:p>
@@ -2746,7 +2659,7 @@
           <a:p>
             <a:fld id="{F58E3EF4-7980-4C97-BA64-EC66995BB574}" type="datetime1">
               <a:rPr lang="ko-KR" altLang="en-US" smtClean="0"/>
-              <a:t>2022-11-09</a:t>
+              <a:t>2022-12-07</a:t>
             </a:fld>
             <a:endParaRPr lang="ko-KR" altLang="en-US" dirty="0"/>
           </a:p>
@@ -3158,7 +3071,7 @@
           <a:p>
             <a:fld id="{FC9BC1D0-7D6B-4634-9D19-644040D74EAE}" type="datetime1">
               <a:rPr lang="ko-KR" altLang="en-US" smtClean="0"/>
-              <a:t>2022-11-09</a:t>
+              <a:t>2022-12-07</a:t>
             </a:fld>
             <a:endParaRPr lang="ko-KR" altLang="en-US" dirty="0"/>
           </a:p>
@@ -3300,7 +3213,7 @@
           <a:p>
             <a:fld id="{B5B1BBC2-B738-4C35-AEE5-660EB2DEB482}" type="datetime1">
               <a:rPr lang="ko-KR" altLang="en-US" smtClean="0"/>
-              <a:t>2022-11-09</a:t>
+              <a:t>2022-12-07</a:t>
             </a:fld>
             <a:endParaRPr lang="ko-KR" altLang="en-US" dirty="0"/>
           </a:p>
@@ -7882,7 +7795,7 @@
           <a:p>
             <a:fld id="{C60E9F93-7E77-4F36-B88C-A425F00C8D91}" type="datetime1">
               <a:rPr lang="ko-KR" altLang="en-US" smtClean="0"/>
-              <a:t>2022-11-09</a:t>
+              <a:t>2022-12-07</a:t>
             </a:fld>
             <a:endParaRPr lang="ko-KR" altLang="en-US" dirty="0"/>
           </a:p>
@@ -8193,7 +8106,7 @@
           <a:p>
             <a:fld id="{36BCCD0E-2A54-4016-BFFC-FEAABCDA6915}" type="datetime1">
               <a:rPr lang="ko-KR" altLang="en-US" smtClean="0"/>
-              <a:t>2022-11-09</a:t>
+              <a:t>2022-12-07</a:t>
             </a:fld>
             <a:endParaRPr lang="ko-KR" altLang="en-US" dirty="0"/>
           </a:p>
@@ -8481,7 +8394,7 @@
           <a:p>
             <a:fld id="{AAF69562-79F1-43EA-AE78-EAD8DB3AEC1A}" type="datetime1">
               <a:rPr lang="ko-KR" altLang="en-US" smtClean="0"/>
-              <a:t>2022-11-09</a:t>
+              <a:t>2022-12-07</a:t>
             </a:fld>
             <a:endParaRPr lang="ko-KR" altLang="en-US" dirty="0"/>
           </a:p>
@@ -8722,7 +8635,7 @@
           <a:p>
             <a:fld id="{C984B0C4-64BA-4E4C-B5E6-A51EE3F6ED95}" type="datetime1">
               <a:rPr lang="ko-KR" altLang="en-US" smtClean="0"/>
-              <a:t>2022-11-09</a:t>
+              <a:t>2022-12-07</a:t>
             </a:fld>
             <a:endParaRPr lang="ko-KR" altLang="en-US" dirty="0"/>
           </a:p>
@@ -9357,16 +9270,12 @@
           <a:p>
             <a:pPr algn="ctr"/>
             <a:r>
-              <a:rPr lang="en-US" altLang="ko-KR" dirty="0" err="1"/>
-              <a:t>newSys1</a:t>
-            </a:r>
-            <a:r>
-              <a:rPr lang="en-US" altLang="ko-KR" dirty="0"/>
-              <a:t>.</a:t>
+              <a:rPr lang="en-US" altLang="ko-KR" dirty="0"/>
+              <a:t>newSys1$</a:t>
             </a:r>
             <a:r>
               <a:rPr lang="en-US" altLang="ko-KR" sz="1800" dirty="0"/>
-              <a:t> ADV</a:t>
+              <a:t> Func1</a:t>
             </a:r>
             <a:endParaRPr lang="ko-KR" altLang="en-US" dirty="0"/>
           </a:p>
@@ -9415,8 +9324,12 @@
           <a:p>
             <a:pPr algn="ctr"/>
             <a:r>
-              <a:rPr lang="en-US" altLang="ko-KR" dirty="0" err="1"/>
-              <a:t>newSys1.RET</a:t>
+              <a:rPr lang="en-US" altLang="ko-KR" dirty="0"/>
+              <a:t>newSys1$</a:t>
+            </a:r>
+            <a:r>
+              <a:rPr lang="en-US" altLang="ko-KR" sz="1800" dirty="0"/>
+              <a:t> Func2</a:t>
             </a:r>
             <a:endParaRPr lang="ko-KR" altLang="en-US" dirty="0"/>
           </a:p>
@@ -9507,8 +9420,8 @@
           <a:p>
             <a:pPr algn="ctr"/>
             <a:r>
-              <a:rPr lang="en-US" altLang="ko-KR" sz="1800" dirty="0"/>
-              <a:t>Shift</a:t>
+              <a:rPr lang="en-US" altLang="ko-KR" dirty="0" err="1"/>
+              <a:t>LibFactroy</a:t>
             </a:r>
             <a:endParaRPr lang="en-US" altLang="ko-KR" dirty="0"/>
           </a:p>
@@ -9607,2148 +9520,6 @@
     <p:extLst>
       <p:ext uri="{BB962C8B-B14F-4D97-AF65-F5344CB8AC3E}">
         <p14:creationId xmlns:p14="http://schemas.microsoft.com/office/powerpoint/2010/main" val="2203551289"/>
-      </p:ext>
-    </p:extLst>
-  </p:cSld>
-  <p:clrMapOvr>
-    <a:masterClrMapping/>
-  </p:clrMapOvr>
-</p:sld>
-</file>
-
-<file path=ppt/slides/slide3.xml><?xml version="1.0" encoding="utf-8"?>
-<p:sld xmlns:a="http://schemas.openxmlformats.org/drawingml/2006/main" xmlns:r="http://schemas.openxmlformats.org/officeDocument/2006/relationships" xmlns:p="http://schemas.openxmlformats.org/presentationml/2006/main">
-  <p:cSld>
-    <p:spTree>
-      <p:nvGrpSpPr>
-        <p:cNvPr id="1" name=""/>
-        <p:cNvGrpSpPr/>
-        <p:nvPr/>
-      </p:nvGrpSpPr>
-      <p:grpSpPr>
-        <a:xfrm>
-          <a:off x="0" y="0"/>
-          <a:ext cx="0" cy="0"/>
-          <a:chOff x="0" y="0"/>
-          <a:chExt cx="0" cy="0"/>
-        </a:xfrm>
-      </p:grpSpPr>
-      <p:sp>
-        <p:nvSpPr>
-          <p:cNvPr id="2" name="제목 1">
-            <a:extLst>
-              <a:ext uri="{FF2B5EF4-FFF2-40B4-BE49-F238E27FC236}">
-                <a16:creationId xmlns:a16="http://schemas.microsoft.com/office/drawing/2014/main" id="{07B9D4F8-729C-28C9-E013-55CFA353A99D}"/>
-              </a:ext>
-            </a:extLst>
-          </p:cNvPr>
-          <p:cNvSpPr>
-            <a:spLocks noGrp="1"/>
-          </p:cNvSpPr>
-          <p:nvPr>
-            <p:ph type="title"/>
-          </p:nvPr>
-        </p:nvSpPr>
-        <p:spPr/>
-        <p:txBody>
-          <a:bodyPr/>
-          <a:lstStyle/>
-          <a:p>
-            <a:r>
-              <a:rPr lang="en-US" altLang="ko-KR" dirty="0"/>
-              <a:t>$SystemA</a:t>
-            </a:r>
-            <a:endParaRPr lang="ko-KR" altLang="en-US" dirty="0"/>
-          </a:p>
-        </p:txBody>
-      </p:sp>
-      <p:sp>
-        <p:nvSpPr>
-          <p:cNvPr id="4" name="화살표: 오각형 3">
-            <a:extLst>
-              <a:ext uri="{FF2B5EF4-FFF2-40B4-BE49-F238E27FC236}">
-                <a16:creationId xmlns:a16="http://schemas.microsoft.com/office/drawing/2014/main" id="{979380F3-FD5A-E9DA-209F-C1D7E880DC3C}"/>
-              </a:ext>
-            </a:extLst>
-          </p:cNvPr>
-          <p:cNvSpPr/>
-          <p:nvPr/>
-        </p:nvSpPr>
-        <p:spPr>
-          <a:xfrm>
-            <a:off x="11353800" y="714375"/>
-            <a:ext cx="1047750" cy="619125"/>
-          </a:xfrm>
-          <a:prstGeom prst="homePlate">
-            <a:avLst/>
-          </a:prstGeom>
-        </p:spPr>
-        <p:style>
-          <a:lnRef idx="2">
-            <a:schemeClr val="accent1">
-              <a:shade val="50000"/>
-            </a:schemeClr>
-          </a:lnRef>
-          <a:fillRef idx="1">
-            <a:schemeClr val="accent1"/>
-          </a:fillRef>
-          <a:effectRef idx="0">
-            <a:schemeClr val="accent1"/>
-          </a:effectRef>
-          <a:fontRef idx="minor">
-            <a:schemeClr val="lt1"/>
-          </a:fontRef>
-        </p:style>
-        <p:txBody>
-          <a:bodyPr rtlCol="0" anchor="ctr"/>
-          <a:lstStyle/>
-          <a:p>
-            <a:pPr algn="ctr"/>
-            <a:r>
-              <a:rPr lang="en-US" altLang="ko-KR" dirty="0"/>
-              <a:t>Func1</a:t>
-            </a:r>
-            <a:endParaRPr lang="ko-KR" altLang="en-US" dirty="0"/>
-          </a:p>
-        </p:txBody>
-      </p:sp>
-      <p:sp>
-        <p:nvSpPr>
-          <p:cNvPr id="5" name="화살표: 오각형 4">
-            <a:extLst>
-              <a:ext uri="{FF2B5EF4-FFF2-40B4-BE49-F238E27FC236}">
-                <a16:creationId xmlns:a16="http://schemas.microsoft.com/office/drawing/2014/main" id="{D5CC48D8-8239-428C-F6E6-715959310C86}"/>
-              </a:ext>
-            </a:extLst>
-          </p:cNvPr>
-          <p:cNvSpPr/>
-          <p:nvPr/>
-        </p:nvSpPr>
-        <p:spPr>
-          <a:xfrm>
-            <a:off x="11353800" y="1607345"/>
-            <a:ext cx="1047750" cy="619125"/>
-          </a:xfrm>
-          <a:prstGeom prst="homePlate">
-            <a:avLst/>
-          </a:prstGeom>
-        </p:spPr>
-        <p:style>
-          <a:lnRef idx="2">
-            <a:schemeClr val="accent1">
-              <a:shade val="50000"/>
-            </a:schemeClr>
-          </a:lnRef>
-          <a:fillRef idx="1">
-            <a:schemeClr val="accent1"/>
-          </a:fillRef>
-          <a:effectRef idx="0">
-            <a:schemeClr val="accent1"/>
-          </a:effectRef>
-          <a:fontRef idx="minor">
-            <a:schemeClr val="lt1"/>
-          </a:fontRef>
-        </p:style>
-        <p:txBody>
-          <a:bodyPr rtlCol="0" anchor="ctr"/>
-          <a:lstStyle/>
-          <a:p>
-            <a:pPr algn="ctr"/>
-            <a:r>
-              <a:rPr lang="en-US" altLang="ko-KR" dirty="0"/>
-              <a:t>Func2</a:t>
-            </a:r>
-            <a:endParaRPr lang="ko-KR" altLang="en-US" dirty="0"/>
-          </a:p>
-        </p:txBody>
-      </p:sp>
-    </p:spTree>
-    <p:extLst>
-      <p:ext uri="{BB962C8B-B14F-4D97-AF65-F5344CB8AC3E}">
-        <p14:creationId xmlns:p14="http://schemas.microsoft.com/office/powerpoint/2010/main" val="3412337540"/>
-      </p:ext>
-    </p:extLst>
-  </p:cSld>
-  <p:clrMapOvr>
-    <a:masterClrMapping/>
-  </p:clrMapOvr>
-</p:sld>
-</file>
-
-<file path=ppt/slides/slide4.xml><?xml version="1.0" encoding="utf-8"?>
-<p:sld xmlns:a="http://schemas.openxmlformats.org/drawingml/2006/main" xmlns:r="http://schemas.openxmlformats.org/officeDocument/2006/relationships" xmlns:p="http://schemas.openxmlformats.org/presentationml/2006/main">
-  <p:cSld>
-    <p:spTree>
-      <p:nvGrpSpPr>
-        <p:cNvPr id="1" name=""/>
-        <p:cNvGrpSpPr/>
-        <p:nvPr/>
-      </p:nvGrpSpPr>
-      <p:grpSpPr>
-        <a:xfrm>
-          <a:off x="0" y="0"/>
-          <a:ext cx="0" cy="0"/>
-          <a:chOff x="0" y="0"/>
-          <a:chExt cx="0" cy="0"/>
-        </a:xfrm>
-      </p:grpSpPr>
-      <p:sp>
-        <p:nvSpPr>
-          <p:cNvPr id="6" name="직사각형 5">
-            <a:extLst>
-              <a:ext uri="{FF2B5EF4-FFF2-40B4-BE49-F238E27FC236}">
-                <a16:creationId xmlns:a16="http://schemas.microsoft.com/office/drawing/2014/main" id="{F7FFA879-D297-B806-362A-C7000F382F51}"/>
-              </a:ext>
-            </a:extLst>
-          </p:cNvPr>
-          <p:cNvSpPr/>
-          <p:nvPr/>
-        </p:nvSpPr>
-        <p:spPr>
-          <a:xfrm>
-            <a:off x="3765382" y="1936664"/>
-            <a:ext cx="759613" cy="223889"/>
-          </a:xfrm>
-          <a:prstGeom prst="rect">
-            <a:avLst/>
-          </a:prstGeom>
-          <a:solidFill>
-            <a:schemeClr val="accent5">
-              <a:lumMod val="25000"/>
-            </a:schemeClr>
-          </a:solidFill>
-        </p:spPr>
-        <p:style>
-          <a:lnRef idx="2">
-            <a:schemeClr val="accent1">
-              <a:shade val="50000"/>
-            </a:schemeClr>
-          </a:lnRef>
-          <a:fillRef idx="1">
-            <a:schemeClr val="accent1"/>
-          </a:fillRef>
-          <a:effectRef idx="0">
-            <a:schemeClr val="accent1"/>
-          </a:effectRef>
-          <a:fontRef idx="minor">
-            <a:schemeClr val="lt1"/>
-          </a:fontRef>
-        </p:style>
-        <p:txBody>
-          <a:bodyPr rtlCol="0" anchor="ctr"/>
-          <a:lstStyle/>
-          <a:p>
-            <a:pPr algn="ctr"/>
-            <a:r>
-              <a:rPr lang="en-US" altLang="ko-KR" sz="1200" dirty="0"/>
-              <a:t>Pp</a:t>
-            </a:r>
-            <a:endParaRPr lang="ko-KR" altLang="en-US" sz="1200" dirty="0"/>
-          </a:p>
-        </p:txBody>
-      </p:sp>
-      <p:sp>
-        <p:nvSpPr>
-          <p:cNvPr id="8" name="직사각형 7">
-            <a:extLst>
-              <a:ext uri="{FF2B5EF4-FFF2-40B4-BE49-F238E27FC236}">
-                <a16:creationId xmlns:a16="http://schemas.microsoft.com/office/drawing/2014/main" id="{06C1A465-92C8-CE21-05B5-347450C9FDC5}"/>
-              </a:ext>
-            </a:extLst>
-          </p:cNvPr>
-          <p:cNvSpPr/>
-          <p:nvPr/>
-        </p:nvSpPr>
-        <p:spPr>
-          <a:xfrm>
-            <a:off x="1774837" y="1936664"/>
-            <a:ext cx="759613" cy="223889"/>
-          </a:xfrm>
-          <a:prstGeom prst="rect">
-            <a:avLst/>
-          </a:prstGeom>
-          <a:solidFill>
-            <a:schemeClr val="accent5">
-              <a:lumMod val="25000"/>
-            </a:schemeClr>
-          </a:solidFill>
-        </p:spPr>
-        <p:style>
-          <a:lnRef idx="2">
-            <a:schemeClr val="accent1">
-              <a:shade val="50000"/>
-            </a:schemeClr>
-          </a:lnRef>
-          <a:fillRef idx="1">
-            <a:schemeClr val="accent1"/>
-          </a:fillRef>
-          <a:effectRef idx="0">
-            <a:schemeClr val="accent1"/>
-          </a:effectRef>
-          <a:fontRef idx="minor">
-            <a:schemeClr val="lt1"/>
-          </a:fontRef>
-        </p:style>
-        <p:txBody>
-          <a:bodyPr rtlCol="0" anchor="ctr"/>
-          <a:lstStyle/>
-          <a:p>
-            <a:pPr algn="ctr"/>
-            <a:r>
-              <a:rPr lang="en-US" altLang="ko-KR" sz="1100" dirty="0"/>
-              <a:t>Vp</a:t>
-            </a:r>
-            <a:endParaRPr lang="ko-KR" altLang="en-US" sz="1200" dirty="0"/>
-          </a:p>
-        </p:txBody>
-      </p:sp>
-      <p:cxnSp>
-        <p:nvCxnSpPr>
-          <p:cNvPr id="9" name="직선 화살표 연결선 8">
-            <a:extLst>
-              <a:ext uri="{FF2B5EF4-FFF2-40B4-BE49-F238E27FC236}">
-                <a16:creationId xmlns:a16="http://schemas.microsoft.com/office/drawing/2014/main" id="{CF85BCA6-174F-BBFA-C53F-64D95CF17953}"/>
-              </a:ext>
-            </a:extLst>
-          </p:cNvPr>
-          <p:cNvCxnSpPr>
-            <a:cxnSpLocks/>
-            <a:stCxn id="8" idx="3"/>
-            <a:endCxn id="6" idx="1"/>
-          </p:cNvCxnSpPr>
-          <p:nvPr/>
-        </p:nvCxnSpPr>
-        <p:spPr>
-          <a:xfrm>
-            <a:off x="2534449" y="2048608"/>
-            <a:ext cx="1230932" cy="0"/>
-          </a:xfrm>
-          <a:prstGeom prst="straightConnector1">
-            <a:avLst/>
-          </a:prstGeom>
-          <a:ln>
-            <a:tailEnd type="triangle"/>
-          </a:ln>
-        </p:spPr>
-        <p:style>
-          <a:lnRef idx="1">
-            <a:schemeClr val="accent1"/>
-          </a:lnRef>
-          <a:fillRef idx="0">
-            <a:schemeClr val="accent1"/>
-          </a:fillRef>
-          <a:effectRef idx="0">
-            <a:schemeClr val="accent1"/>
-          </a:effectRef>
-          <a:fontRef idx="minor">
-            <a:schemeClr val="tx1"/>
-          </a:fontRef>
-        </p:style>
-      </p:cxnSp>
-      <p:sp>
-        <p:nvSpPr>
-          <p:cNvPr id="10" name="직사각형 9">
-            <a:extLst>
-              <a:ext uri="{FF2B5EF4-FFF2-40B4-BE49-F238E27FC236}">
-                <a16:creationId xmlns:a16="http://schemas.microsoft.com/office/drawing/2014/main" id="{7F226DEE-6157-14A6-D5D4-03BAD7ED79A3}"/>
-              </a:ext>
-            </a:extLst>
-          </p:cNvPr>
-          <p:cNvSpPr/>
-          <p:nvPr/>
-        </p:nvSpPr>
-        <p:spPr>
-          <a:xfrm>
-            <a:off x="5755927" y="1936664"/>
-            <a:ext cx="759613" cy="223889"/>
-          </a:xfrm>
-          <a:prstGeom prst="rect">
-            <a:avLst/>
-          </a:prstGeom>
-          <a:solidFill>
-            <a:schemeClr val="accent5">
-              <a:lumMod val="25000"/>
-            </a:schemeClr>
-          </a:solidFill>
-        </p:spPr>
-        <p:style>
-          <a:lnRef idx="2">
-            <a:schemeClr val="accent1">
-              <a:shade val="50000"/>
-            </a:schemeClr>
-          </a:lnRef>
-          <a:fillRef idx="1">
-            <a:schemeClr val="accent1"/>
-          </a:fillRef>
-          <a:effectRef idx="0">
-            <a:schemeClr val="accent1"/>
-          </a:effectRef>
-          <a:fontRef idx="minor">
-            <a:schemeClr val="lt1"/>
-          </a:fontRef>
-        </p:style>
-        <p:txBody>
-          <a:bodyPr rtlCol="0" anchor="ctr"/>
-          <a:lstStyle/>
-          <a:p>
-            <a:pPr algn="ctr"/>
-            <a:r>
-              <a:rPr lang="en-US" altLang="ko-KR" sz="1200" dirty="0"/>
-              <a:t>Sp</a:t>
-            </a:r>
-            <a:endParaRPr lang="ko-KR" altLang="en-US" sz="1200" dirty="0"/>
-          </a:p>
-        </p:txBody>
-      </p:sp>
-      <p:cxnSp>
-        <p:nvCxnSpPr>
-          <p:cNvPr id="12" name="직선 화살표 연결선 11">
-            <a:extLst>
-              <a:ext uri="{FF2B5EF4-FFF2-40B4-BE49-F238E27FC236}">
-                <a16:creationId xmlns:a16="http://schemas.microsoft.com/office/drawing/2014/main" id="{75D5CFE6-0111-F5B7-4ED1-FB8753770B68}"/>
-              </a:ext>
-            </a:extLst>
-          </p:cNvPr>
-          <p:cNvCxnSpPr>
-            <a:cxnSpLocks/>
-            <a:stCxn id="6" idx="3"/>
-            <a:endCxn id="10" idx="1"/>
-          </p:cNvCxnSpPr>
-          <p:nvPr/>
-        </p:nvCxnSpPr>
-        <p:spPr>
-          <a:xfrm>
-            <a:off x="4524994" y="2048608"/>
-            <a:ext cx="1230932" cy="0"/>
-          </a:xfrm>
-          <a:prstGeom prst="straightConnector1">
-            <a:avLst/>
-          </a:prstGeom>
-          <a:ln>
-            <a:tailEnd type="triangle"/>
-          </a:ln>
-        </p:spPr>
-        <p:style>
-          <a:lnRef idx="1">
-            <a:schemeClr val="accent1"/>
-          </a:lnRef>
-          <a:fillRef idx="0">
-            <a:schemeClr val="accent1"/>
-          </a:fillRef>
-          <a:effectRef idx="0">
-            <a:schemeClr val="accent1"/>
-          </a:effectRef>
-          <a:fontRef idx="minor">
-            <a:schemeClr val="tx1"/>
-          </a:fontRef>
-        </p:style>
-      </p:cxnSp>
-      <p:sp>
-        <p:nvSpPr>
-          <p:cNvPr id="7" name="직사각형 6">
-            <a:extLst>
-              <a:ext uri="{FF2B5EF4-FFF2-40B4-BE49-F238E27FC236}">
-                <a16:creationId xmlns:a16="http://schemas.microsoft.com/office/drawing/2014/main" id="{C8BCFA11-98F4-0359-2550-17CAC34FBD25}"/>
-              </a:ext>
-            </a:extLst>
-          </p:cNvPr>
-          <p:cNvSpPr/>
-          <p:nvPr/>
-        </p:nvSpPr>
-        <p:spPr>
-          <a:xfrm>
-            <a:off x="4799857" y="2852919"/>
-            <a:ext cx="759613" cy="223889"/>
-          </a:xfrm>
-          <a:prstGeom prst="rect">
-            <a:avLst/>
-          </a:prstGeom>
-          <a:solidFill>
-            <a:schemeClr val="accent5">
-              <a:lumMod val="25000"/>
-            </a:schemeClr>
-          </a:solidFill>
-        </p:spPr>
-        <p:style>
-          <a:lnRef idx="2">
-            <a:schemeClr val="accent1">
-              <a:shade val="50000"/>
-            </a:schemeClr>
-          </a:lnRef>
-          <a:fillRef idx="1">
-            <a:schemeClr val="accent1"/>
-          </a:fillRef>
-          <a:effectRef idx="0">
-            <a:schemeClr val="accent1"/>
-          </a:effectRef>
-          <a:fontRef idx="minor">
-            <a:schemeClr val="lt1"/>
-          </a:fontRef>
-        </p:style>
-        <p:txBody>
-          <a:bodyPr rtlCol="0" anchor="ctr"/>
-          <a:lstStyle/>
-          <a:p>
-            <a:pPr algn="ctr"/>
-            <a:r>
-              <a:rPr lang="en-US" altLang="ko-KR" sz="1200" dirty="0"/>
-              <a:t>Pm</a:t>
-            </a:r>
-            <a:endParaRPr lang="ko-KR" altLang="en-US" sz="1200" dirty="0"/>
-          </a:p>
-        </p:txBody>
-      </p:sp>
-      <p:cxnSp>
-        <p:nvCxnSpPr>
-          <p:cNvPr id="15" name="직선 화살표 연결선 14">
-            <a:extLst>
-              <a:ext uri="{FF2B5EF4-FFF2-40B4-BE49-F238E27FC236}">
-                <a16:creationId xmlns:a16="http://schemas.microsoft.com/office/drawing/2014/main" id="{A1B8F672-384E-5E23-F864-E66E53B3ABA0}"/>
-              </a:ext>
-            </a:extLst>
-          </p:cNvPr>
-          <p:cNvCxnSpPr>
-            <a:cxnSpLocks/>
-            <a:stCxn id="11" idx="3"/>
-            <a:endCxn id="7" idx="1"/>
-          </p:cNvCxnSpPr>
-          <p:nvPr/>
-        </p:nvCxnSpPr>
-        <p:spPr>
-          <a:xfrm flipV="1">
-            <a:off x="3301855" y="2964864"/>
-            <a:ext cx="1498002" cy="1537019"/>
-          </a:xfrm>
-          <a:prstGeom prst="straightConnector1">
-            <a:avLst/>
-          </a:prstGeom>
-          <a:ln>
-            <a:tailEnd type="triangle"/>
-          </a:ln>
-        </p:spPr>
-        <p:style>
-          <a:lnRef idx="1">
-            <a:schemeClr val="accent1"/>
-          </a:lnRef>
-          <a:fillRef idx="0">
-            <a:schemeClr val="accent1"/>
-          </a:fillRef>
-          <a:effectRef idx="0">
-            <a:schemeClr val="accent1"/>
-          </a:effectRef>
-          <a:fontRef idx="minor">
-            <a:schemeClr val="tx1"/>
-          </a:fontRef>
-        </p:style>
-      </p:cxnSp>
-      <p:sp>
-        <p:nvSpPr>
-          <p:cNvPr id="16" name="직사각형 15">
-            <a:extLst>
-              <a:ext uri="{FF2B5EF4-FFF2-40B4-BE49-F238E27FC236}">
-                <a16:creationId xmlns:a16="http://schemas.microsoft.com/office/drawing/2014/main" id="{D07CD127-6F91-FEFD-510E-E9ECBE02A8ED}"/>
-              </a:ext>
-            </a:extLst>
-          </p:cNvPr>
-          <p:cNvSpPr/>
-          <p:nvPr/>
-        </p:nvSpPr>
-        <p:spPr>
-          <a:xfrm>
-            <a:off x="6790402" y="2852918"/>
-            <a:ext cx="759613" cy="223889"/>
-          </a:xfrm>
-          <a:prstGeom prst="rect">
-            <a:avLst/>
-          </a:prstGeom>
-          <a:solidFill>
-            <a:schemeClr val="accent5">
-              <a:lumMod val="25000"/>
-            </a:schemeClr>
-          </a:solidFill>
-        </p:spPr>
-        <p:style>
-          <a:lnRef idx="2">
-            <a:schemeClr val="accent1">
-              <a:shade val="50000"/>
-            </a:schemeClr>
-          </a:lnRef>
-          <a:fillRef idx="1">
-            <a:schemeClr val="accent1"/>
-          </a:fillRef>
-          <a:effectRef idx="0">
-            <a:schemeClr val="accent1"/>
-          </a:effectRef>
-          <a:fontRef idx="minor">
-            <a:schemeClr val="lt1"/>
-          </a:fontRef>
-        </p:style>
-        <p:txBody>
-          <a:bodyPr rtlCol="0" anchor="ctr"/>
-          <a:lstStyle/>
-          <a:p>
-            <a:pPr algn="ctr"/>
-            <a:r>
-              <a:rPr lang="en-US" altLang="ko-KR" sz="1200" dirty="0"/>
-              <a:t>Sm</a:t>
-            </a:r>
-            <a:endParaRPr lang="ko-KR" altLang="en-US" sz="1200" dirty="0"/>
-          </a:p>
-        </p:txBody>
-      </p:sp>
-      <p:cxnSp>
-        <p:nvCxnSpPr>
-          <p:cNvPr id="17" name="직선 화살표 연결선 16">
-            <a:extLst>
-              <a:ext uri="{FF2B5EF4-FFF2-40B4-BE49-F238E27FC236}">
-                <a16:creationId xmlns:a16="http://schemas.microsoft.com/office/drawing/2014/main" id="{33274B50-5963-24B6-CDB4-2782CD0CDCD3}"/>
-              </a:ext>
-            </a:extLst>
-          </p:cNvPr>
-          <p:cNvCxnSpPr>
-            <a:cxnSpLocks/>
-            <a:stCxn id="7" idx="3"/>
-            <a:endCxn id="16" idx="1"/>
-          </p:cNvCxnSpPr>
-          <p:nvPr/>
-        </p:nvCxnSpPr>
-        <p:spPr>
-          <a:xfrm flipV="1">
-            <a:off x="5559469" y="2964863"/>
-            <a:ext cx="1230932" cy="1"/>
-          </a:xfrm>
-          <a:prstGeom prst="straightConnector1">
-            <a:avLst/>
-          </a:prstGeom>
-          <a:ln>
-            <a:tailEnd type="triangle"/>
-          </a:ln>
-        </p:spPr>
-        <p:style>
-          <a:lnRef idx="1">
-            <a:schemeClr val="accent1"/>
-          </a:lnRef>
-          <a:fillRef idx="0">
-            <a:schemeClr val="accent1"/>
-          </a:fillRef>
-          <a:effectRef idx="0">
-            <a:schemeClr val="accent1"/>
-          </a:effectRef>
-          <a:fontRef idx="minor">
-            <a:schemeClr val="tx1"/>
-          </a:fontRef>
-        </p:style>
-      </p:cxnSp>
-      <p:cxnSp>
-        <p:nvCxnSpPr>
-          <p:cNvPr id="19" name="연결선: 꺾임 18">
-            <a:extLst>
-              <a:ext uri="{FF2B5EF4-FFF2-40B4-BE49-F238E27FC236}">
-                <a16:creationId xmlns:a16="http://schemas.microsoft.com/office/drawing/2014/main" id="{EB65775B-028E-9EF0-13D9-EBE90D2F1DF0}"/>
-              </a:ext>
-            </a:extLst>
-          </p:cNvPr>
-          <p:cNvCxnSpPr>
-            <a:stCxn id="8" idx="2"/>
-            <a:endCxn id="16" idx="0"/>
-          </p:cNvCxnSpPr>
-          <p:nvPr/>
-        </p:nvCxnSpPr>
-        <p:spPr>
-          <a:xfrm rot="16200000" flipH="1">
-            <a:off x="4316244" y="-1049"/>
-            <a:ext cx="692365" cy="5015565"/>
-          </a:xfrm>
-          <a:prstGeom prst="bentConnector3">
-            <a:avLst/>
-          </a:prstGeom>
-          <a:ln>
-            <a:prstDash val="dash"/>
-            <a:tailEnd type="triangle"/>
-          </a:ln>
-        </p:spPr>
-        <p:style>
-          <a:lnRef idx="1">
-            <a:schemeClr val="accent1"/>
-          </a:lnRef>
-          <a:fillRef idx="0">
-            <a:schemeClr val="accent1"/>
-          </a:fillRef>
-          <a:effectRef idx="0">
-            <a:schemeClr val="accent1"/>
-          </a:effectRef>
-          <a:fontRef idx="minor">
-            <a:schemeClr val="tx1"/>
-          </a:fontRef>
-        </p:style>
-      </p:cxnSp>
-      <p:cxnSp>
-        <p:nvCxnSpPr>
-          <p:cNvPr id="24" name="연결선: 꺾임 23">
-            <a:extLst>
-              <a:ext uri="{FF2B5EF4-FFF2-40B4-BE49-F238E27FC236}">
-                <a16:creationId xmlns:a16="http://schemas.microsoft.com/office/drawing/2014/main" id="{C37A77EC-C59E-9A9F-143F-594E0EC9A35D}"/>
-              </a:ext>
-            </a:extLst>
-          </p:cNvPr>
-          <p:cNvCxnSpPr>
-            <a:cxnSpLocks/>
-            <a:stCxn id="11" idx="0"/>
-            <a:endCxn id="10" idx="2"/>
-          </p:cNvCxnSpPr>
-          <p:nvPr/>
-        </p:nvCxnSpPr>
-        <p:spPr>
-          <a:xfrm rot="5400000" flipH="1" flipV="1">
-            <a:off x="3374224" y="714145"/>
-            <a:ext cx="1315101" cy="4207919"/>
-          </a:xfrm>
-          <a:prstGeom prst="bentConnector3">
-            <a:avLst>
-              <a:gd name="adj1" fmla="val 50000"/>
-            </a:avLst>
-          </a:prstGeom>
-          <a:ln>
-            <a:prstDash val="dash"/>
-            <a:tailEnd type="triangle"/>
-          </a:ln>
-        </p:spPr>
-        <p:style>
-          <a:lnRef idx="1">
-            <a:schemeClr val="accent1"/>
-          </a:lnRef>
-          <a:fillRef idx="0">
-            <a:schemeClr val="accent1"/>
-          </a:fillRef>
-          <a:effectRef idx="0">
-            <a:schemeClr val="accent1"/>
-          </a:effectRef>
-          <a:fontRef idx="minor">
-            <a:schemeClr val="tx1"/>
-          </a:fontRef>
-        </p:style>
-      </p:cxnSp>
-      <p:sp>
-        <p:nvSpPr>
-          <p:cNvPr id="3" name="화살표: 오각형 2">
-            <a:extLst>
-              <a:ext uri="{FF2B5EF4-FFF2-40B4-BE49-F238E27FC236}">
-                <a16:creationId xmlns:a16="http://schemas.microsoft.com/office/drawing/2014/main" id="{150D191B-3EEE-1472-97A1-DFB91C125370}"/>
-              </a:ext>
-            </a:extLst>
-          </p:cNvPr>
-          <p:cNvSpPr/>
-          <p:nvPr/>
-        </p:nvSpPr>
-        <p:spPr>
-          <a:xfrm>
-            <a:off x="8184232" y="177067"/>
-            <a:ext cx="1800200" cy="432048"/>
-          </a:xfrm>
-          <a:prstGeom prst="homePlate">
-            <a:avLst/>
-          </a:prstGeom>
-        </p:spPr>
-        <p:style>
-          <a:lnRef idx="2">
-            <a:schemeClr val="accent1">
-              <a:shade val="50000"/>
-            </a:schemeClr>
-          </a:lnRef>
-          <a:fillRef idx="1">
-            <a:schemeClr val="accent1"/>
-          </a:fillRef>
-          <a:effectRef idx="0">
-            <a:schemeClr val="accent1"/>
-          </a:effectRef>
-          <a:fontRef idx="minor">
-            <a:schemeClr val="lt1"/>
-          </a:fontRef>
-        </p:style>
-        <p:txBody>
-          <a:bodyPr rtlCol="0" anchor="ctr"/>
-          <a:lstStyle/>
-          <a:p>
-            <a:pPr algn="ctr"/>
-            <a:r>
-              <a:rPr lang="en-US" altLang="ko-KR" sz="1100" dirty="0"/>
-              <a:t>ADV </a:t>
-            </a:r>
-          </a:p>
-          <a:p>
-            <a:pPr algn="ctr"/>
-            <a:r>
-              <a:rPr lang="en-US" altLang="ko-KR" sz="1100" dirty="0"/>
-              <a:t>[Vp ~ Sp]</a:t>
-            </a:r>
-            <a:endParaRPr lang="ko-KR" altLang="en-US" sz="1100" dirty="0"/>
-          </a:p>
-        </p:txBody>
-      </p:sp>
-      <p:sp>
-        <p:nvSpPr>
-          <p:cNvPr id="5" name="화살표: 오각형 4">
-            <a:extLst>
-              <a:ext uri="{FF2B5EF4-FFF2-40B4-BE49-F238E27FC236}">
-                <a16:creationId xmlns:a16="http://schemas.microsoft.com/office/drawing/2014/main" id="{53DD68D7-E2E0-DA15-DBA0-EA1CB4C7FA18}"/>
-              </a:ext>
-            </a:extLst>
-          </p:cNvPr>
-          <p:cNvSpPr/>
-          <p:nvPr/>
-        </p:nvSpPr>
-        <p:spPr>
-          <a:xfrm>
-            <a:off x="8184232" y="836712"/>
-            <a:ext cx="1800200" cy="432048"/>
-          </a:xfrm>
-          <a:prstGeom prst="homePlate">
-            <a:avLst>
-              <a:gd name="adj" fmla="val 47194"/>
-            </a:avLst>
-          </a:prstGeom>
-        </p:spPr>
-        <p:style>
-          <a:lnRef idx="2">
-            <a:schemeClr val="accent1">
-              <a:shade val="50000"/>
-            </a:schemeClr>
-          </a:lnRef>
-          <a:fillRef idx="1">
-            <a:schemeClr val="accent1"/>
-          </a:fillRef>
-          <a:effectRef idx="0">
-            <a:schemeClr val="accent1"/>
-          </a:effectRef>
-          <a:fontRef idx="minor">
-            <a:schemeClr val="lt1"/>
-          </a:fontRef>
-        </p:style>
-        <p:txBody>
-          <a:bodyPr rtlCol="0" anchor="ctr"/>
-          <a:lstStyle/>
-          <a:p>
-            <a:pPr algn="ctr"/>
-            <a:r>
-              <a:rPr lang="en-US" altLang="ko-KR" sz="1100" dirty="0"/>
-              <a:t>RET</a:t>
-            </a:r>
-          </a:p>
-          <a:p>
-            <a:pPr algn="ctr"/>
-            <a:r>
-              <a:rPr lang="en-US" altLang="ko-KR" sz="1100" dirty="0"/>
-              <a:t>[Vm ~ Sm]</a:t>
-            </a:r>
-            <a:endParaRPr lang="ko-KR" altLang="en-US" sz="1100" dirty="0"/>
-          </a:p>
-        </p:txBody>
-      </p:sp>
-      <p:cxnSp>
-        <p:nvCxnSpPr>
-          <p:cNvPr id="18" name="연결선: 꺾임 17">
-            <a:extLst>
-              <a:ext uri="{FF2B5EF4-FFF2-40B4-BE49-F238E27FC236}">
-                <a16:creationId xmlns:a16="http://schemas.microsoft.com/office/drawing/2014/main" id="{F715CCC7-D2F6-58ED-ADAB-B4E83DEDE80D}"/>
-              </a:ext>
-            </a:extLst>
-          </p:cNvPr>
-          <p:cNvCxnSpPr>
-            <a:cxnSpLocks/>
-            <a:stCxn id="3" idx="3"/>
-            <a:endCxn id="5" idx="3"/>
-          </p:cNvCxnSpPr>
-          <p:nvPr/>
-        </p:nvCxnSpPr>
-        <p:spPr>
-          <a:xfrm>
-            <a:off x="9984432" y="393092"/>
-            <a:ext cx="12700" cy="659645"/>
-          </a:xfrm>
-          <a:prstGeom prst="bentConnector3">
-            <a:avLst>
-              <a:gd name="adj1" fmla="val 1800000"/>
-            </a:avLst>
-          </a:prstGeom>
-          <a:ln>
-            <a:prstDash val="dash"/>
-            <a:headEnd type="triangle" w="med" len="med"/>
-            <a:tailEnd type="triangle" w="med" len="med"/>
-          </a:ln>
-        </p:spPr>
-        <p:style>
-          <a:lnRef idx="1">
-            <a:schemeClr val="accent1"/>
-          </a:lnRef>
-          <a:fillRef idx="0">
-            <a:schemeClr val="accent1"/>
-          </a:fillRef>
-          <a:effectRef idx="0">
-            <a:schemeClr val="accent1"/>
-          </a:effectRef>
-          <a:fontRef idx="minor">
-            <a:schemeClr val="tx1"/>
-          </a:fontRef>
-        </p:style>
-      </p:cxnSp>
-      <p:sp>
-        <p:nvSpPr>
-          <p:cNvPr id="13" name="제목 12">
-            <a:extLst>
-              <a:ext uri="{FF2B5EF4-FFF2-40B4-BE49-F238E27FC236}">
-                <a16:creationId xmlns:a16="http://schemas.microsoft.com/office/drawing/2014/main" id="{19A9AEB6-2E3B-5721-21BE-D988ED74F36E}"/>
-              </a:ext>
-            </a:extLst>
-          </p:cNvPr>
-          <p:cNvSpPr>
-            <a:spLocks noGrp="1"/>
-          </p:cNvSpPr>
-          <p:nvPr>
-            <p:ph type="title"/>
-          </p:nvPr>
-        </p:nvSpPr>
-        <p:spPr>
-          <a:xfrm>
-            <a:off x="838200" y="365125"/>
-            <a:ext cx="5836920" cy="1325563"/>
-          </a:xfrm>
-        </p:spPr>
-        <p:txBody>
-          <a:bodyPr/>
-          <a:lstStyle/>
-          <a:p>
-            <a:r>
-              <a:rPr lang="en-US" altLang="ko-KR" sz="4400" dirty="0"/>
-              <a:t>$Shift</a:t>
-            </a:r>
-            <a:endParaRPr lang="ko-KR" altLang="en-US" dirty="0"/>
-          </a:p>
-        </p:txBody>
-      </p:sp>
-      <p:grpSp>
-        <p:nvGrpSpPr>
-          <p:cNvPr id="27" name="그룹 26">
-            <a:extLst>
-              <a:ext uri="{FF2B5EF4-FFF2-40B4-BE49-F238E27FC236}">
-                <a16:creationId xmlns:a16="http://schemas.microsoft.com/office/drawing/2014/main" id="{2460E3D9-4351-F2B4-2E89-EBE359E41548}"/>
-              </a:ext>
-            </a:extLst>
-          </p:cNvPr>
-          <p:cNvGrpSpPr/>
-          <p:nvPr/>
-        </p:nvGrpSpPr>
-        <p:grpSpPr>
-          <a:xfrm>
-            <a:off x="553775" y="3475654"/>
-            <a:ext cx="2748080" cy="2052457"/>
-            <a:chOff x="838201" y="2852918"/>
-            <a:chExt cx="2748080" cy="2052457"/>
-          </a:xfrm>
-        </p:grpSpPr>
-        <p:sp>
-          <p:nvSpPr>
-            <p:cNvPr id="11" name="직사각형 10">
-              <a:extLst>
-                <a:ext uri="{FF2B5EF4-FFF2-40B4-BE49-F238E27FC236}">
-                  <a16:creationId xmlns:a16="http://schemas.microsoft.com/office/drawing/2014/main" id="{2D4550B1-F30D-637F-56E8-4C2DFC9CB461}"/>
-                </a:ext>
-              </a:extLst>
-            </p:cNvPr>
-            <p:cNvSpPr/>
-            <p:nvPr/>
-          </p:nvSpPr>
-          <p:spPr>
-            <a:xfrm>
-              <a:off x="838201" y="2852918"/>
-              <a:ext cx="2748080" cy="2052457"/>
-            </a:xfrm>
-            <a:prstGeom prst="rect">
-              <a:avLst/>
-            </a:prstGeom>
-            <a:solidFill>
-              <a:schemeClr val="accent5">
-                <a:lumMod val="25000"/>
-              </a:schemeClr>
-            </a:solidFill>
-          </p:spPr>
-          <p:style>
-            <a:lnRef idx="2">
-              <a:schemeClr val="accent1">
-                <a:shade val="50000"/>
-              </a:schemeClr>
-            </a:lnRef>
-            <a:fillRef idx="1">
-              <a:schemeClr val="accent1"/>
-            </a:fillRef>
-            <a:effectRef idx="0">
-              <a:schemeClr val="accent1"/>
-            </a:effectRef>
-            <a:fontRef idx="minor">
-              <a:schemeClr val="lt1"/>
-            </a:fontRef>
-          </p:style>
-          <p:txBody>
-            <a:bodyPr rtlCol="0" anchor="ctr"/>
-            <a:lstStyle/>
-            <a:p>
-              <a:pPr algn="ctr"/>
-              <a:r>
-                <a:rPr lang="en-US" altLang="ko-KR" sz="1100" dirty="0"/>
-                <a:t>Vm</a:t>
-              </a:r>
-              <a:endParaRPr lang="ko-KR" altLang="en-US" sz="1200" dirty="0"/>
-            </a:p>
-          </p:txBody>
-        </p:sp>
-        <p:sp>
-          <p:nvSpPr>
-            <p:cNvPr id="14" name="타원 13">
-              <a:extLst>
-                <a:ext uri="{FF2B5EF4-FFF2-40B4-BE49-F238E27FC236}">
-                  <a16:creationId xmlns:a16="http://schemas.microsoft.com/office/drawing/2014/main" id="{F3EB0F06-5241-EA34-5969-3147453EB651}"/>
-                </a:ext>
-              </a:extLst>
-            </p:cNvPr>
-            <p:cNvSpPr/>
-            <p:nvPr/>
-          </p:nvSpPr>
-          <p:spPr>
-            <a:xfrm>
-              <a:off x="1314449" y="3428999"/>
-              <a:ext cx="460387" cy="847725"/>
-            </a:xfrm>
-            <a:prstGeom prst="ellipse">
-              <a:avLst/>
-            </a:prstGeom>
-          </p:spPr>
-          <p:style>
-            <a:lnRef idx="2">
-              <a:schemeClr val="accent1">
-                <a:shade val="50000"/>
-              </a:schemeClr>
-            </a:lnRef>
-            <a:fillRef idx="1">
-              <a:schemeClr val="accent1"/>
-            </a:fillRef>
-            <a:effectRef idx="0">
-              <a:schemeClr val="accent1"/>
-            </a:effectRef>
-            <a:fontRef idx="minor">
-              <a:schemeClr val="lt1"/>
-            </a:fontRef>
-          </p:style>
-          <p:txBody>
-            <a:bodyPr rtlCol="0" anchor="ctr"/>
-            <a:lstStyle/>
-            <a:p>
-              <a:pPr algn="ctr"/>
-              <a:r>
-                <a:rPr lang="en-US" altLang="ko-KR" sz="1100" dirty="0" err="1">
-                  <a:solidFill>
-                    <a:schemeClr val="tx1"/>
-                  </a:solidFill>
-                </a:rPr>
-                <a:t>ExDevice</a:t>
-              </a:r>
-              <a:r>
-                <a:rPr lang="en-US" altLang="ko-KR" sz="1100" dirty="0"/>
-                <a:t>.+</a:t>
-              </a:r>
-              <a:endParaRPr lang="ko-KR" altLang="en-US" sz="1100" dirty="0"/>
-            </a:p>
-          </p:txBody>
-        </p:sp>
-        <p:sp>
-          <p:nvSpPr>
-            <p:cNvPr id="20" name="타원 19">
-              <a:extLst>
-                <a:ext uri="{FF2B5EF4-FFF2-40B4-BE49-F238E27FC236}">
-                  <a16:creationId xmlns:a16="http://schemas.microsoft.com/office/drawing/2014/main" id="{171040E4-8A67-CE61-F6D6-DDA952CB31A7}"/>
-                </a:ext>
-              </a:extLst>
-            </p:cNvPr>
-            <p:cNvSpPr/>
-            <p:nvPr/>
-          </p:nvSpPr>
-          <p:spPr>
-            <a:xfrm>
-              <a:off x="2791112" y="3313252"/>
-              <a:ext cx="460387" cy="847725"/>
-            </a:xfrm>
-            <a:prstGeom prst="ellipse">
-              <a:avLst/>
-            </a:prstGeom>
-          </p:spPr>
-          <p:style>
-            <a:lnRef idx="2">
-              <a:schemeClr val="accent1">
-                <a:shade val="50000"/>
-              </a:schemeClr>
-            </a:lnRef>
-            <a:fillRef idx="1">
-              <a:schemeClr val="accent1"/>
-            </a:fillRef>
-            <a:effectRef idx="0">
-              <a:schemeClr val="accent1"/>
-            </a:effectRef>
-            <a:fontRef idx="minor">
-              <a:schemeClr val="lt1"/>
-            </a:fontRef>
-          </p:style>
-          <p:txBody>
-            <a:bodyPr rtlCol="0" anchor="ctr"/>
-            <a:lstStyle/>
-            <a:p>
-              <a:pPr algn="ctr"/>
-              <a:r>
-                <a:rPr lang="en-US" altLang="ko-KR" sz="1100" dirty="0" err="1">
-                  <a:solidFill>
-                    <a:schemeClr val="tx1"/>
-                  </a:solidFill>
-                </a:rPr>
-                <a:t>ExDevice</a:t>
-              </a:r>
-              <a:r>
-                <a:rPr lang="en-US" altLang="ko-KR" sz="1100" dirty="0"/>
-                <a:t>.-</a:t>
-              </a:r>
-              <a:endParaRPr lang="ko-KR" altLang="en-US" sz="1100" dirty="0"/>
-            </a:p>
-          </p:txBody>
-        </p:sp>
-        <p:sp>
-          <p:nvSpPr>
-            <p:cNvPr id="21" name="타원 20">
-              <a:extLst>
-                <a:ext uri="{FF2B5EF4-FFF2-40B4-BE49-F238E27FC236}">
-                  <a16:creationId xmlns:a16="http://schemas.microsoft.com/office/drawing/2014/main" id="{A82B669A-275A-E2A7-3DA1-ED1E66D58631}"/>
-                </a:ext>
-              </a:extLst>
-            </p:cNvPr>
-            <p:cNvSpPr/>
-            <p:nvPr/>
-          </p:nvSpPr>
-          <p:spPr>
-            <a:xfrm>
-              <a:off x="2282974" y="3966583"/>
-              <a:ext cx="460387" cy="847725"/>
-            </a:xfrm>
-            <a:prstGeom prst="ellipse">
-              <a:avLst/>
-            </a:prstGeom>
-          </p:spPr>
-          <p:style>
-            <a:lnRef idx="2">
-              <a:schemeClr val="accent1">
-                <a:shade val="50000"/>
-              </a:schemeClr>
-            </a:lnRef>
-            <a:fillRef idx="1">
-              <a:schemeClr val="accent1"/>
-            </a:fillRef>
-            <a:effectRef idx="0">
-              <a:schemeClr val="accent1"/>
-            </a:effectRef>
-            <a:fontRef idx="minor">
-              <a:schemeClr val="lt1"/>
-            </a:fontRef>
-          </p:style>
-          <p:txBody>
-            <a:bodyPr rtlCol="0" anchor="ctr"/>
-            <a:lstStyle/>
-            <a:p>
-              <a:pPr algn="ctr"/>
-              <a:r>
-                <a:rPr lang="en-US" altLang="ko-KR" sz="1100" dirty="0" err="1">
-                  <a:solidFill>
-                    <a:schemeClr val="tx1"/>
-                  </a:solidFill>
-                </a:rPr>
-                <a:t>ExDevice</a:t>
-              </a:r>
-              <a:r>
-                <a:rPr lang="en-US" altLang="ko-KR" sz="1100" dirty="0"/>
-                <a:t>.-</a:t>
-              </a:r>
-              <a:endParaRPr lang="ko-KR" altLang="en-US" sz="1100" dirty="0"/>
-            </a:p>
-          </p:txBody>
-        </p:sp>
-        <p:cxnSp>
-          <p:nvCxnSpPr>
-            <p:cNvPr id="23" name="연결선: 꺾임 22">
-              <a:extLst>
-                <a:ext uri="{FF2B5EF4-FFF2-40B4-BE49-F238E27FC236}">
-                  <a16:creationId xmlns:a16="http://schemas.microsoft.com/office/drawing/2014/main" id="{EE5F4977-B3E3-8B2F-93E8-21809F1ECD54}"/>
-                </a:ext>
-              </a:extLst>
-            </p:cNvPr>
-            <p:cNvCxnSpPr>
-              <a:cxnSpLocks/>
-              <a:stCxn id="14" idx="6"/>
-              <a:endCxn id="20" idx="2"/>
-            </p:cNvCxnSpPr>
-            <p:nvPr/>
-          </p:nvCxnSpPr>
-          <p:spPr>
-            <a:xfrm flipV="1">
-              <a:off x="1774836" y="3737115"/>
-              <a:ext cx="1016276" cy="115747"/>
-            </a:xfrm>
-            <a:prstGeom prst="bentConnector3">
-              <a:avLst/>
-            </a:prstGeom>
-            <a:ln>
-              <a:tailEnd type="triangle"/>
-            </a:ln>
-          </p:spPr>
-          <p:style>
-            <a:lnRef idx="1">
-              <a:schemeClr val="accent1"/>
-            </a:lnRef>
-            <a:fillRef idx="0">
-              <a:schemeClr val="accent1"/>
-            </a:fillRef>
-            <a:effectRef idx="0">
-              <a:schemeClr val="accent1"/>
-            </a:effectRef>
-            <a:fontRef idx="minor">
-              <a:schemeClr val="tx1"/>
-            </a:fontRef>
-          </p:style>
-        </p:cxnSp>
-      </p:grpSp>
-      <p:sp>
-        <p:nvSpPr>
-          <p:cNvPr id="26" name="사각형: 모서리가 접힌 도형 25">
-            <a:extLst>
-              <a:ext uri="{FF2B5EF4-FFF2-40B4-BE49-F238E27FC236}">
-                <a16:creationId xmlns:a16="http://schemas.microsoft.com/office/drawing/2014/main" id="{1A7B8FA6-B752-62A0-D467-040CDC49EB74}"/>
-              </a:ext>
-            </a:extLst>
-          </p:cNvPr>
-          <p:cNvSpPr/>
-          <p:nvPr/>
-        </p:nvSpPr>
-        <p:spPr>
-          <a:xfrm>
-            <a:off x="470430" y="5997976"/>
-            <a:ext cx="2914770" cy="421792"/>
-          </a:xfrm>
-          <a:prstGeom prst="foldedCorner">
-            <a:avLst/>
-          </a:prstGeom>
-          <a:solidFill>
-            <a:srgbClr val="00B0F0"/>
-          </a:solidFill>
-        </p:spPr>
-        <p:style>
-          <a:lnRef idx="2">
-            <a:schemeClr val="accent1">
-              <a:shade val="50000"/>
-            </a:schemeClr>
-          </a:lnRef>
-          <a:fillRef idx="1">
-            <a:schemeClr val="accent1"/>
-          </a:fillRef>
-          <a:effectRef idx="0">
-            <a:schemeClr val="accent1"/>
-          </a:effectRef>
-          <a:fontRef idx="minor">
-            <a:schemeClr val="lt1"/>
-          </a:fontRef>
-        </p:style>
-        <p:txBody>
-          <a:bodyPr rtlCol="0" anchor="ctr"/>
-          <a:lstStyle/>
-          <a:p>
-            <a:pPr algn="ctr"/>
-            <a:r>
-              <a:rPr lang="en-US" altLang="ko-KR" sz="900" dirty="0">
-                <a:solidFill>
-                  <a:schemeClr val="tx1"/>
-                </a:solidFill>
-              </a:rPr>
-              <a:t>Ex</a:t>
-            </a:r>
-          </a:p>
-          <a:p>
-            <a:pPr algn="ctr"/>
-            <a:r>
-              <a:rPr lang="en-US" altLang="ko-KR" sz="900" dirty="0">
-                <a:solidFill>
-                  <a:schemeClr val="tx1"/>
-                </a:solidFill>
-              </a:rPr>
-              <a:t>[</a:t>
-            </a:r>
-            <a:r>
-              <a:rPr lang="en-US" altLang="ko-KR" sz="900" dirty="0" err="1">
-                <a:solidFill>
-                  <a:schemeClr val="tx1"/>
-                </a:solidFill>
-              </a:rPr>
-              <a:t>ExDevice</a:t>
-            </a:r>
-            <a:r>
-              <a:rPr lang="en-US" altLang="ko-KR" sz="900" dirty="0">
-                <a:solidFill>
-                  <a:schemeClr val="tx1"/>
-                </a:solidFill>
-              </a:rPr>
-              <a:t>]</a:t>
-            </a:r>
-          </a:p>
-        </p:txBody>
-      </p:sp>
-    </p:spTree>
-    <p:extLst>
-      <p:ext uri="{BB962C8B-B14F-4D97-AF65-F5344CB8AC3E}">
-        <p14:creationId xmlns:p14="http://schemas.microsoft.com/office/powerpoint/2010/main" val="4085891558"/>
-      </p:ext>
-    </p:extLst>
-  </p:cSld>
-  <p:clrMapOvr>
-    <a:masterClrMapping/>
-  </p:clrMapOvr>
-</p:sld>
-</file>
-
-<file path=ppt/slides/slide5.xml><?xml version="1.0" encoding="utf-8"?>
-<p:sld xmlns:a="http://schemas.openxmlformats.org/drawingml/2006/main" xmlns:r="http://schemas.openxmlformats.org/officeDocument/2006/relationships" xmlns:p="http://schemas.openxmlformats.org/presentationml/2006/main">
-  <p:cSld>
-    <p:spTree>
-      <p:nvGrpSpPr>
-        <p:cNvPr id="1" name=""/>
-        <p:cNvGrpSpPr/>
-        <p:nvPr/>
-      </p:nvGrpSpPr>
-      <p:grpSpPr>
-        <a:xfrm>
-          <a:off x="0" y="0"/>
-          <a:ext cx="0" cy="0"/>
-          <a:chOff x="0" y="0"/>
-          <a:chExt cx="0" cy="0"/>
-        </a:xfrm>
-      </p:grpSpPr>
-      <p:sp>
-        <p:nvSpPr>
-          <p:cNvPr id="6" name="직사각형 5">
-            <a:extLst>
-              <a:ext uri="{FF2B5EF4-FFF2-40B4-BE49-F238E27FC236}">
-                <a16:creationId xmlns:a16="http://schemas.microsoft.com/office/drawing/2014/main" id="{F7FFA879-D297-B806-362A-C7000F382F51}"/>
-              </a:ext>
-            </a:extLst>
-          </p:cNvPr>
-          <p:cNvSpPr/>
-          <p:nvPr/>
-        </p:nvSpPr>
-        <p:spPr>
-          <a:xfrm>
-            <a:off x="3765382" y="1080452"/>
-            <a:ext cx="759613" cy="223889"/>
-          </a:xfrm>
-          <a:prstGeom prst="rect">
-            <a:avLst/>
-          </a:prstGeom>
-          <a:solidFill>
-            <a:schemeClr val="accent5">
-              <a:lumMod val="25000"/>
-            </a:schemeClr>
-          </a:solidFill>
-        </p:spPr>
-        <p:style>
-          <a:lnRef idx="2">
-            <a:schemeClr val="accent1">
-              <a:shade val="50000"/>
-            </a:schemeClr>
-          </a:lnRef>
-          <a:fillRef idx="1">
-            <a:schemeClr val="accent1"/>
-          </a:fillRef>
-          <a:effectRef idx="0">
-            <a:schemeClr val="accent1"/>
-          </a:effectRef>
-          <a:fontRef idx="minor">
-            <a:schemeClr val="lt1"/>
-          </a:fontRef>
-        </p:style>
-        <p:txBody>
-          <a:bodyPr rtlCol="0" anchor="ctr"/>
-          <a:lstStyle/>
-          <a:p>
-            <a:pPr algn="ctr"/>
-            <a:r>
-              <a:rPr lang="en-US" altLang="ko-KR" sz="1200" dirty="0"/>
-              <a:t>Pp</a:t>
-            </a:r>
-            <a:endParaRPr lang="ko-KR" altLang="en-US" sz="1200" dirty="0"/>
-          </a:p>
-        </p:txBody>
-      </p:sp>
-      <p:sp>
-        <p:nvSpPr>
-          <p:cNvPr id="8" name="직사각형 7">
-            <a:extLst>
-              <a:ext uri="{FF2B5EF4-FFF2-40B4-BE49-F238E27FC236}">
-                <a16:creationId xmlns:a16="http://schemas.microsoft.com/office/drawing/2014/main" id="{06C1A465-92C8-CE21-05B5-347450C9FDC5}"/>
-              </a:ext>
-            </a:extLst>
-          </p:cNvPr>
-          <p:cNvSpPr/>
-          <p:nvPr/>
-        </p:nvSpPr>
-        <p:spPr>
-          <a:xfrm>
-            <a:off x="1774837" y="1080452"/>
-            <a:ext cx="759613" cy="223889"/>
-          </a:xfrm>
-          <a:prstGeom prst="rect">
-            <a:avLst/>
-          </a:prstGeom>
-          <a:solidFill>
-            <a:schemeClr val="accent5">
-              <a:lumMod val="25000"/>
-            </a:schemeClr>
-          </a:solidFill>
-        </p:spPr>
-        <p:style>
-          <a:lnRef idx="2">
-            <a:schemeClr val="accent1">
-              <a:shade val="50000"/>
-            </a:schemeClr>
-          </a:lnRef>
-          <a:fillRef idx="1">
-            <a:schemeClr val="accent1"/>
-          </a:fillRef>
-          <a:effectRef idx="0">
-            <a:schemeClr val="accent1"/>
-          </a:effectRef>
-          <a:fontRef idx="minor">
-            <a:schemeClr val="lt1"/>
-          </a:fontRef>
-        </p:style>
-        <p:txBody>
-          <a:bodyPr rtlCol="0" anchor="ctr"/>
-          <a:lstStyle/>
-          <a:p>
-            <a:pPr algn="ctr"/>
-            <a:r>
-              <a:rPr lang="en-US" altLang="ko-KR" sz="1100" dirty="0" err="1"/>
-              <a:t>Vp</a:t>
-            </a:r>
-            <a:endParaRPr lang="ko-KR" altLang="en-US" sz="1200" dirty="0"/>
-          </a:p>
-        </p:txBody>
-      </p:sp>
-      <p:cxnSp>
-        <p:nvCxnSpPr>
-          <p:cNvPr id="9" name="직선 화살표 연결선 8">
-            <a:extLst>
-              <a:ext uri="{FF2B5EF4-FFF2-40B4-BE49-F238E27FC236}">
-                <a16:creationId xmlns:a16="http://schemas.microsoft.com/office/drawing/2014/main" id="{CF85BCA6-174F-BBFA-C53F-64D95CF17953}"/>
-              </a:ext>
-            </a:extLst>
-          </p:cNvPr>
-          <p:cNvCxnSpPr>
-            <a:cxnSpLocks/>
-            <a:stCxn id="8" idx="3"/>
-            <a:endCxn id="6" idx="1"/>
-          </p:cNvCxnSpPr>
-          <p:nvPr/>
-        </p:nvCxnSpPr>
-        <p:spPr>
-          <a:xfrm>
-            <a:off x="2534449" y="1192396"/>
-            <a:ext cx="1230932" cy="0"/>
-          </a:xfrm>
-          <a:prstGeom prst="straightConnector1">
-            <a:avLst/>
-          </a:prstGeom>
-          <a:ln>
-            <a:tailEnd type="triangle"/>
-          </a:ln>
-        </p:spPr>
-        <p:style>
-          <a:lnRef idx="1">
-            <a:schemeClr val="accent1"/>
-          </a:lnRef>
-          <a:fillRef idx="0">
-            <a:schemeClr val="accent1"/>
-          </a:fillRef>
-          <a:effectRef idx="0">
-            <a:schemeClr val="accent1"/>
-          </a:effectRef>
-          <a:fontRef idx="minor">
-            <a:schemeClr val="tx1"/>
-          </a:fontRef>
-        </p:style>
-      </p:cxnSp>
-      <p:sp>
-        <p:nvSpPr>
-          <p:cNvPr id="10" name="직사각형 9">
-            <a:extLst>
-              <a:ext uri="{FF2B5EF4-FFF2-40B4-BE49-F238E27FC236}">
-                <a16:creationId xmlns:a16="http://schemas.microsoft.com/office/drawing/2014/main" id="{7F226DEE-6157-14A6-D5D4-03BAD7ED79A3}"/>
-              </a:ext>
-            </a:extLst>
-          </p:cNvPr>
-          <p:cNvSpPr/>
-          <p:nvPr/>
-        </p:nvSpPr>
-        <p:spPr>
-          <a:xfrm>
-            <a:off x="5755927" y="1080452"/>
-            <a:ext cx="759613" cy="223889"/>
-          </a:xfrm>
-          <a:prstGeom prst="rect">
-            <a:avLst/>
-          </a:prstGeom>
-          <a:solidFill>
-            <a:schemeClr val="accent5">
-              <a:lumMod val="25000"/>
-            </a:schemeClr>
-          </a:solidFill>
-        </p:spPr>
-        <p:style>
-          <a:lnRef idx="2">
-            <a:schemeClr val="accent1">
-              <a:shade val="50000"/>
-            </a:schemeClr>
-          </a:lnRef>
-          <a:fillRef idx="1">
-            <a:schemeClr val="accent1"/>
-          </a:fillRef>
-          <a:effectRef idx="0">
-            <a:schemeClr val="accent1"/>
-          </a:effectRef>
-          <a:fontRef idx="minor">
-            <a:schemeClr val="lt1"/>
-          </a:fontRef>
-        </p:style>
-        <p:txBody>
-          <a:bodyPr rtlCol="0" anchor="ctr"/>
-          <a:lstStyle/>
-          <a:p>
-            <a:pPr algn="ctr"/>
-            <a:r>
-              <a:rPr lang="en-US" altLang="ko-KR" sz="1200" dirty="0"/>
-              <a:t>Sp</a:t>
-            </a:r>
-            <a:endParaRPr lang="ko-KR" altLang="en-US" sz="1200" dirty="0"/>
-          </a:p>
-        </p:txBody>
-      </p:sp>
-      <p:cxnSp>
-        <p:nvCxnSpPr>
-          <p:cNvPr id="12" name="직선 화살표 연결선 11">
-            <a:extLst>
-              <a:ext uri="{FF2B5EF4-FFF2-40B4-BE49-F238E27FC236}">
-                <a16:creationId xmlns:a16="http://schemas.microsoft.com/office/drawing/2014/main" id="{75D5CFE6-0111-F5B7-4ED1-FB8753770B68}"/>
-              </a:ext>
-            </a:extLst>
-          </p:cNvPr>
-          <p:cNvCxnSpPr>
-            <a:cxnSpLocks/>
-            <a:stCxn id="6" idx="3"/>
-            <a:endCxn id="10" idx="1"/>
-          </p:cNvCxnSpPr>
-          <p:nvPr/>
-        </p:nvCxnSpPr>
-        <p:spPr>
-          <a:xfrm>
-            <a:off x="4524994" y="1192396"/>
-            <a:ext cx="1230932" cy="0"/>
-          </a:xfrm>
-          <a:prstGeom prst="straightConnector1">
-            <a:avLst/>
-          </a:prstGeom>
-          <a:ln>
-            <a:tailEnd type="triangle"/>
-          </a:ln>
-        </p:spPr>
-        <p:style>
-          <a:lnRef idx="1">
-            <a:schemeClr val="accent1"/>
-          </a:lnRef>
-          <a:fillRef idx="0">
-            <a:schemeClr val="accent1"/>
-          </a:fillRef>
-          <a:effectRef idx="0">
-            <a:schemeClr val="accent1"/>
-          </a:effectRef>
-          <a:fontRef idx="minor">
-            <a:schemeClr val="tx1"/>
-          </a:fontRef>
-        </p:style>
-      </p:cxnSp>
-      <p:sp>
-        <p:nvSpPr>
-          <p:cNvPr id="7" name="직사각형 6">
-            <a:extLst>
-              <a:ext uri="{FF2B5EF4-FFF2-40B4-BE49-F238E27FC236}">
-                <a16:creationId xmlns:a16="http://schemas.microsoft.com/office/drawing/2014/main" id="{C8BCFA11-98F4-0359-2550-17CAC34FBD25}"/>
-              </a:ext>
-            </a:extLst>
-          </p:cNvPr>
-          <p:cNvSpPr/>
-          <p:nvPr/>
-        </p:nvSpPr>
-        <p:spPr>
-          <a:xfrm>
-            <a:off x="4799857" y="1996707"/>
-            <a:ext cx="759613" cy="223889"/>
-          </a:xfrm>
-          <a:prstGeom prst="rect">
-            <a:avLst/>
-          </a:prstGeom>
-          <a:solidFill>
-            <a:schemeClr val="accent5">
-              <a:lumMod val="25000"/>
-            </a:schemeClr>
-          </a:solidFill>
-        </p:spPr>
-        <p:style>
-          <a:lnRef idx="2">
-            <a:schemeClr val="accent1">
-              <a:shade val="50000"/>
-            </a:schemeClr>
-          </a:lnRef>
-          <a:fillRef idx="1">
-            <a:schemeClr val="accent1"/>
-          </a:fillRef>
-          <a:effectRef idx="0">
-            <a:schemeClr val="accent1"/>
-          </a:effectRef>
-          <a:fontRef idx="minor">
-            <a:schemeClr val="lt1"/>
-          </a:fontRef>
-        </p:style>
-        <p:txBody>
-          <a:bodyPr rtlCol="0" anchor="ctr"/>
-          <a:lstStyle/>
-          <a:p>
-            <a:pPr algn="ctr"/>
-            <a:r>
-              <a:rPr lang="en-US" altLang="ko-KR" sz="1200" dirty="0"/>
-              <a:t>Pm</a:t>
-            </a:r>
-            <a:endParaRPr lang="ko-KR" altLang="en-US" sz="1200" dirty="0"/>
-          </a:p>
-        </p:txBody>
-      </p:sp>
-      <p:sp>
-        <p:nvSpPr>
-          <p:cNvPr id="11" name="직사각형 10">
-            <a:extLst>
-              <a:ext uri="{FF2B5EF4-FFF2-40B4-BE49-F238E27FC236}">
-                <a16:creationId xmlns:a16="http://schemas.microsoft.com/office/drawing/2014/main" id="{2D4550B1-F30D-637F-56E8-4C2DFC9CB461}"/>
-              </a:ext>
-            </a:extLst>
-          </p:cNvPr>
-          <p:cNvSpPr/>
-          <p:nvPr/>
-        </p:nvSpPr>
-        <p:spPr>
-          <a:xfrm>
-            <a:off x="2826667" y="1996706"/>
-            <a:ext cx="759613" cy="223889"/>
-          </a:xfrm>
-          <a:prstGeom prst="rect">
-            <a:avLst/>
-          </a:prstGeom>
-          <a:solidFill>
-            <a:schemeClr val="accent5">
-              <a:lumMod val="25000"/>
-            </a:schemeClr>
-          </a:solidFill>
-        </p:spPr>
-        <p:style>
-          <a:lnRef idx="2">
-            <a:schemeClr val="accent1">
-              <a:shade val="50000"/>
-            </a:schemeClr>
-          </a:lnRef>
-          <a:fillRef idx="1">
-            <a:schemeClr val="accent1"/>
-          </a:fillRef>
-          <a:effectRef idx="0">
-            <a:schemeClr val="accent1"/>
-          </a:effectRef>
-          <a:fontRef idx="minor">
-            <a:schemeClr val="lt1"/>
-          </a:fontRef>
-        </p:style>
-        <p:txBody>
-          <a:bodyPr rtlCol="0" anchor="ctr"/>
-          <a:lstStyle/>
-          <a:p>
-            <a:pPr algn="ctr"/>
-            <a:r>
-              <a:rPr lang="en-US" altLang="ko-KR" sz="1100" dirty="0" err="1"/>
-              <a:t>Vm</a:t>
-            </a:r>
-            <a:endParaRPr lang="ko-KR" altLang="en-US" sz="1200" dirty="0"/>
-          </a:p>
-        </p:txBody>
-      </p:sp>
-      <p:cxnSp>
-        <p:nvCxnSpPr>
-          <p:cNvPr id="15" name="직선 화살표 연결선 14">
-            <a:extLst>
-              <a:ext uri="{FF2B5EF4-FFF2-40B4-BE49-F238E27FC236}">
-                <a16:creationId xmlns:a16="http://schemas.microsoft.com/office/drawing/2014/main" id="{A1B8F672-384E-5E23-F864-E66E53B3ABA0}"/>
-              </a:ext>
-            </a:extLst>
-          </p:cNvPr>
-          <p:cNvCxnSpPr>
-            <a:cxnSpLocks/>
-            <a:stCxn id="11" idx="3"/>
-            <a:endCxn id="7" idx="1"/>
-          </p:cNvCxnSpPr>
-          <p:nvPr/>
-        </p:nvCxnSpPr>
-        <p:spPr>
-          <a:xfrm>
-            <a:off x="3586280" y="2108651"/>
-            <a:ext cx="1213577" cy="1"/>
-          </a:xfrm>
-          <a:prstGeom prst="straightConnector1">
-            <a:avLst/>
-          </a:prstGeom>
-          <a:ln>
-            <a:tailEnd type="triangle"/>
-          </a:ln>
-        </p:spPr>
-        <p:style>
-          <a:lnRef idx="1">
-            <a:schemeClr val="accent1"/>
-          </a:lnRef>
-          <a:fillRef idx="0">
-            <a:schemeClr val="accent1"/>
-          </a:fillRef>
-          <a:effectRef idx="0">
-            <a:schemeClr val="accent1"/>
-          </a:effectRef>
-          <a:fontRef idx="minor">
-            <a:schemeClr val="tx1"/>
-          </a:fontRef>
-        </p:style>
-      </p:cxnSp>
-      <p:sp>
-        <p:nvSpPr>
-          <p:cNvPr id="16" name="직사각형 15">
-            <a:extLst>
-              <a:ext uri="{FF2B5EF4-FFF2-40B4-BE49-F238E27FC236}">
-                <a16:creationId xmlns:a16="http://schemas.microsoft.com/office/drawing/2014/main" id="{D07CD127-6F91-FEFD-510E-E9ECBE02A8ED}"/>
-              </a:ext>
-            </a:extLst>
-          </p:cNvPr>
-          <p:cNvSpPr/>
-          <p:nvPr/>
-        </p:nvSpPr>
-        <p:spPr>
-          <a:xfrm>
-            <a:off x="6790402" y="1996706"/>
-            <a:ext cx="759613" cy="223889"/>
-          </a:xfrm>
-          <a:prstGeom prst="rect">
-            <a:avLst/>
-          </a:prstGeom>
-          <a:solidFill>
-            <a:schemeClr val="accent5">
-              <a:lumMod val="25000"/>
-            </a:schemeClr>
-          </a:solidFill>
-        </p:spPr>
-        <p:style>
-          <a:lnRef idx="2">
-            <a:schemeClr val="accent1">
-              <a:shade val="50000"/>
-            </a:schemeClr>
-          </a:lnRef>
-          <a:fillRef idx="1">
-            <a:schemeClr val="accent1"/>
-          </a:fillRef>
-          <a:effectRef idx="0">
-            <a:schemeClr val="accent1"/>
-          </a:effectRef>
-          <a:fontRef idx="minor">
-            <a:schemeClr val="lt1"/>
-          </a:fontRef>
-        </p:style>
-        <p:txBody>
-          <a:bodyPr rtlCol="0" anchor="ctr"/>
-          <a:lstStyle/>
-          <a:p>
-            <a:pPr algn="ctr"/>
-            <a:r>
-              <a:rPr lang="en-US" altLang="ko-KR" sz="1200" dirty="0" err="1"/>
-              <a:t>Sm</a:t>
-            </a:r>
-            <a:endParaRPr lang="ko-KR" altLang="en-US" sz="1200" dirty="0"/>
-          </a:p>
-        </p:txBody>
-      </p:sp>
-      <p:cxnSp>
-        <p:nvCxnSpPr>
-          <p:cNvPr id="17" name="직선 화살표 연결선 16">
-            <a:extLst>
-              <a:ext uri="{FF2B5EF4-FFF2-40B4-BE49-F238E27FC236}">
-                <a16:creationId xmlns:a16="http://schemas.microsoft.com/office/drawing/2014/main" id="{33274B50-5963-24B6-CDB4-2782CD0CDCD3}"/>
-              </a:ext>
-            </a:extLst>
-          </p:cNvPr>
-          <p:cNvCxnSpPr>
-            <a:cxnSpLocks/>
-            <a:stCxn id="7" idx="3"/>
-            <a:endCxn id="16" idx="1"/>
-          </p:cNvCxnSpPr>
-          <p:nvPr/>
-        </p:nvCxnSpPr>
-        <p:spPr>
-          <a:xfrm flipV="1">
-            <a:off x="5559469" y="2108651"/>
-            <a:ext cx="1230932" cy="1"/>
-          </a:xfrm>
-          <a:prstGeom prst="straightConnector1">
-            <a:avLst/>
-          </a:prstGeom>
-          <a:ln>
-            <a:tailEnd type="triangle"/>
-          </a:ln>
-        </p:spPr>
-        <p:style>
-          <a:lnRef idx="1">
-            <a:schemeClr val="accent1"/>
-          </a:lnRef>
-          <a:fillRef idx="0">
-            <a:schemeClr val="accent1"/>
-          </a:fillRef>
-          <a:effectRef idx="0">
-            <a:schemeClr val="accent1"/>
-          </a:effectRef>
-          <a:fontRef idx="minor">
-            <a:schemeClr val="tx1"/>
-          </a:fontRef>
-        </p:style>
-      </p:cxnSp>
-      <p:cxnSp>
-        <p:nvCxnSpPr>
-          <p:cNvPr id="19" name="연결선: 꺾임 18">
-            <a:extLst>
-              <a:ext uri="{FF2B5EF4-FFF2-40B4-BE49-F238E27FC236}">
-                <a16:creationId xmlns:a16="http://schemas.microsoft.com/office/drawing/2014/main" id="{EB65775B-028E-9EF0-13D9-EBE90D2F1DF0}"/>
-              </a:ext>
-            </a:extLst>
-          </p:cNvPr>
-          <p:cNvCxnSpPr>
-            <a:stCxn id="8" idx="2"/>
-            <a:endCxn id="16" idx="0"/>
-          </p:cNvCxnSpPr>
-          <p:nvPr/>
-        </p:nvCxnSpPr>
-        <p:spPr>
-          <a:xfrm rot="16200000" flipH="1">
-            <a:off x="4316244" y="-857261"/>
-            <a:ext cx="692365" cy="5015565"/>
-          </a:xfrm>
-          <a:prstGeom prst="bentConnector3">
-            <a:avLst/>
-          </a:prstGeom>
-          <a:ln>
-            <a:prstDash val="dash"/>
-            <a:tailEnd type="triangle"/>
-          </a:ln>
-        </p:spPr>
-        <p:style>
-          <a:lnRef idx="1">
-            <a:schemeClr val="accent1"/>
-          </a:lnRef>
-          <a:fillRef idx="0">
-            <a:schemeClr val="accent1"/>
-          </a:fillRef>
-          <a:effectRef idx="0">
-            <a:schemeClr val="accent1"/>
-          </a:effectRef>
-          <a:fontRef idx="minor">
-            <a:schemeClr val="tx1"/>
-          </a:fontRef>
-        </p:style>
-      </p:cxnSp>
-      <p:cxnSp>
-        <p:nvCxnSpPr>
-          <p:cNvPr id="24" name="연결선: 꺾임 23">
-            <a:extLst>
-              <a:ext uri="{FF2B5EF4-FFF2-40B4-BE49-F238E27FC236}">
-                <a16:creationId xmlns:a16="http://schemas.microsoft.com/office/drawing/2014/main" id="{C37A77EC-C59E-9A9F-143F-594E0EC9A35D}"/>
-              </a:ext>
-            </a:extLst>
-          </p:cNvPr>
-          <p:cNvCxnSpPr>
-            <a:cxnSpLocks/>
-            <a:stCxn id="11" idx="0"/>
-            <a:endCxn id="10" idx="2"/>
-          </p:cNvCxnSpPr>
-          <p:nvPr/>
-        </p:nvCxnSpPr>
-        <p:spPr>
-          <a:xfrm rot="5400000" flipH="1" flipV="1">
-            <a:off x="4324922" y="185893"/>
-            <a:ext cx="692365" cy="2929260"/>
-          </a:xfrm>
-          <a:prstGeom prst="bentConnector3">
-            <a:avLst>
-              <a:gd name="adj1" fmla="val 50000"/>
-            </a:avLst>
-          </a:prstGeom>
-          <a:ln>
-            <a:prstDash val="dash"/>
-            <a:tailEnd type="triangle"/>
-          </a:ln>
-        </p:spPr>
-        <p:style>
-          <a:lnRef idx="1">
-            <a:schemeClr val="accent1"/>
-          </a:lnRef>
-          <a:fillRef idx="0">
-            <a:schemeClr val="accent1"/>
-          </a:fillRef>
-          <a:effectRef idx="0">
-            <a:schemeClr val="accent1"/>
-          </a:effectRef>
-          <a:fontRef idx="minor">
-            <a:schemeClr val="tx1"/>
-          </a:fontRef>
-        </p:style>
-      </p:cxnSp>
-      <p:sp>
-        <p:nvSpPr>
-          <p:cNvPr id="3" name="화살표: 오각형 2">
-            <a:extLst>
-              <a:ext uri="{FF2B5EF4-FFF2-40B4-BE49-F238E27FC236}">
-                <a16:creationId xmlns:a16="http://schemas.microsoft.com/office/drawing/2014/main" id="{150D191B-3EEE-1472-97A1-DFB91C125370}"/>
-              </a:ext>
-            </a:extLst>
-          </p:cNvPr>
-          <p:cNvSpPr/>
-          <p:nvPr/>
-        </p:nvSpPr>
-        <p:spPr>
-          <a:xfrm>
-            <a:off x="8184232" y="177067"/>
-            <a:ext cx="1800200" cy="432048"/>
-          </a:xfrm>
-          <a:prstGeom prst="homePlate">
-            <a:avLst/>
-          </a:prstGeom>
-        </p:spPr>
-        <p:style>
-          <a:lnRef idx="2">
-            <a:schemeClr val="accent1">
-              <a:shade val="50000"/>
-            </a:schemeClr>
-          </a:lnRef>
-          <a:fillRef idx="1">
-            <a:schemeClr val="accent1"/>
-          </a:fillRef>
-          <a:effectRef idx="0">
-            <a:schemeClr val="accent1"/>
-          </a:effectRef>
-          <a:fontRef idx="minor">
-            <a:schemeClr val="lt1"/>
-          </a:fontRef>
-        </p:style>
-        <p:txBody>
-          <a:bodyPr rtlCol="0" anchor="ctr"/>
-          <a:lstStyle/>
-          <a:p>
-            <a:pPr algn="ctr"/>
-            <a:r>
-              <a:rPr lang="en-US" altLang="ko-KR" sz="1100" dirty="0"/>
-              <a:t>+</a:t>
-            </a:r>
-          </a:p>
-          <a:p>
-            <a:pPr algn="ctr"/>
-            <a:r>
-              <a:rPr lang="en-US" altLang="ko-KR" sz="1100" dirty="0"/>
-              <a:t>[</a:t>
-            </a:r>
-            <a:r>
-              <a:rPr lang="en-US" altLang="ko-KR" sz="1100" dirty="0" err="1"/>
-              <a:t>Vp</a:t>
-            </a:r>
-            <a:r>
-              <a:rPr lang="en-US" altLang="ko-KR" sz="1100" dirty="0"/>
-              <a:t> ~ Sp]</a:t>
-            </a:r>
-            <a:endParaRPr lang="ko-KR" altLang="en-US" sz="1100" dirty="0"/>
-          </a:p>
-        </p:txBody>
-      </p:sp>
-      <p:sp>
-        <p:nvSpPr>
-          <p:cNvPr id="5" name="화살표: 오각형 4">
-            <a:extLst>
-              <a:ext uri="{FF2B5EF4-FFF2-40B4-BE49-F238E27FC236}">
-                <a16:creationId xmlns:a16="http://schemas.microsoft.com/office/drawing/2014/main" id="{53DD68D7-E2E0-DA15-DBA0-EA1CB4C7FA18}"/>
-              </a:ext>
-            </a:extLst>
-          </p:cNvPr>
-          <p:cNvSpPr/>
-          <p:nvPr/>
-        </p:nvSpPr>
-        <p:spPr>
-          <a:xfrm>
-            <a:off x="8184232" y="836712"/>
-            <a:ext cx="1800200" cy="432048"/>
-          </a:xfrm>
-          <a:prstGeom prst="homePlate">
-            <a:avLst>
-              <a:gd name="adj" fmla="val 47194"/>
-            </a:avLst>
-          </a:prstGeom>
-        </p:spPr>
-        <p:style>
-          <a:lnRef idx="2">
-            <a:schemeClr val="accent1">
-              <a:shade val="50000"/>
-            </a:schemeClr>
-          </a:lnRef>
-          <a:fillRef idx="1">
-            <a:schemeClr val="accent1"/>
-          </a:fillRef>
-          <a:effectRef idx="0">
-            <a:schemeClr val="accent1"/>
-          </a:effectRef>
-          <a:fontRef idx="minor">
-            <a:schemeClr val="lt1"/>
-          </a:fontRef>
-        </p:style>
-        <p:txBody>
-          <a:bodyPr rtlCol="0" anchor="ctr"/>
-          <a:lstStyle/>
-          <a:p>
-            <a:pPr algn="ctr"/>
-            <a:r>
-              <a:rPr lang="en-US" altLang="ko-KR" sz="1100" dirty="0"/>
-              <a:t>- </a:t>
-            </a:r>
-          </a:p>
-          <a:p>
-            <a:pPr algn="ctr"/>
-            <a:r>
-              <a:rPr lang="en-US" altLang="ko-KR" sz="1100" dirty="0"/>
-              <a:t>[</a:t>
-            </a:r>
-            <a:r>
-              <a:rPr lang="en-US" altLang="ko-KR" sz="1100" dirty="0" err="1"/>
-              <a:t>Vm</a:t>
-            </a:r>
-            <a:r>
-              <a:rPr lang="en-US" altLang="ko-KR" sz="1100" dirty="0"/>
-              <a:t> ~ </a:t>
-            </a:r>
-            <a:r>
-              <a:rPr lang="en-US" altLang="ko-KR" sz="1100" dirty="0" err="1"/>
-              <a:t>Sm</a:t>
-            </a:r>
-            <a:r>
-              <a:rPr lang="en-US" altLang="ko-KR" sz="1100" dirty="0"/>
-              <a:t>]</a:t>
-            </a:r>
-            <a:endParaRPr lang="ko-KR" altLang="en-US" sz="1100" dirty="0"/>
-          </a:p>
-        </p:txBody>
-      </p:sp>
-      <p:cxnSp>
-        <p:nvCxnSpPr>
-          <p:cNvPr id="18" name="연결선: 꺾임 17">
-            <a:extLst>
-              <a:ext uri="{FF2B5EF4-FFF2-40B4-BE49-F238E27FC236}">
-                <a16:creationId xmlns:a16="http://schemas.microsoft.com/office/drawing/2014/main" id="{F715CCC7-D2F6-58ED-ADAB-B4E83DEDE80D}"/>
-              </a:ext>
-            </a:extLst>
-          </p:cNvPr>
-          <p:cNvCxnSpPr>
-            <a:cxnSpLocks/>
-            <a:stCxn id="3" idx="3"/>
-            <a:endCxn id="5" idx="3"/>
-          </p:cNvCxnSpPr>
-          <p:nvPr/>
-        </p:nvCxnSpPr>
-        <p:spPr>
-          <a:xfrm>
-            <a:off x="9984432" y="393092"/>
-            <a:ext cx="12700" cy="659645"/>
-          </a:xfrm>
-          <a:prstGeom prst="bentConnector3">
-            <a:avLst>
-              <a:gd name="adj1" fmla="val 1800000"/>
-            </a:avLst>
-          </a:prstGeom>
-          <a:ln>
-            <a:prstDash val="dash"/>
-            <a:headEnd type="triangle" w="med" len="med"/>
-            <a:tailEnd type="triangle" w="med" len="med"/>
-          </a:ln>
-        </p:spPr>
-        <p:style>
-          <a:lnRef idx="1">
-            <a:schemeClr val="accent1"/>
-          </a:lnRef>
-          <a:fillRef idx="0">
-            <a:schemeClr val="accent1"/>
-          </a:fillRef>
-          <a:effectRef idx="0">
-            <a:schemeClr val="accent1"/>
-          </a:effectRef>
-          <a:fontRef idx="minor">
-            <a:schemeClr val="tx1"/>
-          </a:fontRef>
-        </p:style>
-      </p:cxnSp>
-      <p:sp>
-        <p:nvSpPr>
-          <p:cNvPr id="4" name="제목 3">
-            <a:extLst>
-              <a:ext uri="{FF2B5EF4-FFF2-40B4-BE49-F238E27FC236}">
-                <a16:creationId xmlns:a16="http://schemas.microsoft.com/office/drawing/2014/main" id="{99FD32FD-15B3-DE9E-41E2-0F5A86F4634A}"/>
-              </a:ext>
-            </a:extLst>
-          </p:cNvPr>
-          <p:cNvSpPr>
-            <a:spLocks noGrp="1"/>
-          </p:cNvSpPr>
-          <p:nvPr>
-            <p:ph type="title"/>
-          </p:nvPr>
-        </p:nvSpPr>
-        <p:spPr>
-          <a:xfrm>
-            <a:off x="838200" y="70025"/>
-            <a:ext cx="6917575" cy="1325563"/>
-          </a:xfrm>
-        </p:spPr>
-        <p:txBody>
-          <a:bodyPr>
-            <a:normAutofit/>
-          </a:bodyPr>
-          <a:lstStyle/>
-          <a:p>
-            <a:r>
-              <a:rPr lang="en-US" altLang="ko-KR" sz="2800" dirty="0"/>
-              <a:t>$Ex</a:t>
-            </a:r>
-            <a:endParaRPr lang="ko-KR" altLang="en-US" sz="2800" dirty="0"/>
-          </a:p>
-        </p:txBody>
-      </p:sp>
-    </p:spTree>
-    <p:extLst>
-      <p:ext uri="{BB962C8B-B14F-4D97-AF65-F5344CB8AC3E}">
-        <p14:creationId xmlns:p14="http://schemas.microsoft.com/office/powerpoint/2010/main" val="1180571885"/>
       </p:ext>
     </p:extLst>
   </p:cSld>
